--- a/ccepg15 discounting.pptx
+++ b/ccepg15 discounting.pptx
@@ -12726,6 +12726,42 @@
           <a:chExt cx="0" cy="0"/>
         </a:xfrm>
       </p:grpSpPr>
+      <p:pic>
+        <p:nvPicPr>
+          <p:cNvPr id="5" name="Picture 4">
+            <a:extLst>
+              <a:ext uri="{FF2B5EF4-FFF2-40B4-BE49-F238E27FC236}">
+                <a16:creationId xmlns:a16="http://schemas.microsoft.com/office/drawing/2014/main" id="{54F4E001-442F-4849-830B-31A4EE722EEF}"/>
+              </a:ext>
+            </a:extLst>
+          </p:cNvPr>
+          <p:cNvPicPr>
+            <a:picLocks noChangeAspect="1"/>
+          </p:cNvPicPr>
+          <p:nvPr/>
+        </p:nvPicPr>
+        <p:blipFill>
+          <a:blip r:embed="rId3">
+            <a:extLst>
+              <a:ext uri="{28A0092B-C50C-407E-A947-70E740481C1C}">
+                <a14:useLocalDpi xmlns:a14="http://schemas.microsoft.com/office/drawing/2010/main" val="0"/>
+              </a:ext>
+            </a:extLst>
+          </a:blip>
+          <a:stretch>
+            <a:fillRect/>
+          </a:stretch>
+        </p:blipFill>
+        <p:spPr>
+          <a:xfrm>
+            <a:off x="7289814" y="4648200"/>
+            <a:ext cx="1831326" cy="2209800"/>
+          </a:xfrm>
+          <a:prstGeom prst="rect">
+            <a:avLst/>
+          </a:prstGeom>
+        </p:spPr>
+      </p:pic>
       <p:sp>
         <p:nvSpPr>
           <p:cNvPr id="7171" name="Rectangle 2"/>
@@ -13190,7 +13226,7 @@
                 <a:avLst/>
               </a:prstGeom>
               <a:blipFill>
-                <a:blip r:embed="rId3"/>
+                <a:blip r:embed="rId4"/>
                 <a:stretch>
                   <a:fillRect b="-38406"/>
                 </a:stretch>
@@ -13226,7 +13262,7 @@
           <p:nvPr/>
         </p:nvPicPr>
         <p:blipFill>
-          <a:blip r:embed="rId4">
+          <a:blip r:embed="rId5">
             <a:extLst>
               <a:ext uri="{28A0092B-C50C-407E-A947-70E740481C1C}">
                 <a14:useLocalDpi xmlns:a14="http://schemas.microsoft.com/office/drawing/2010/main" val="0"/>
@@ -13241,42 +13277,6 @@
           <a:xfrm>
             <a:off x="7772400" y="0"/>
             <a:ext cx="1371600" cy="1913020"/>
-          </a:xfrm>
-          <a:prstGeom prst="rect">
-            <a:avLst/>
-          </a:prstGeom>
-        </p:spPr>
-      </p:pic>
-      <p:pic>
-        <p:nvPicPr>
-          <p:cNvPr id="5" name="Picture 4">
-            <a:extLst>
-              <a:ext uri="{FF2B5EF4-FFF2-40B4-BE49-F238E27FC236}">
-                <a16:creationId xmlns:a16="http://schemas.microsoft.com/office/drawing/2014/main" id="{54F4E001-442F-4849-830B-31A4EE722EEF}"/>
-              </a:ext>
-            </a:extLst>
-          </p:cNvPr>
-          <p:cNvPicPr>
-            <a:picLocks noChangeAspect="1"/>
-          </p:cNvPicPr>
-          <p:nvPr/>
-        </p:nvPicPr>
-        <p:blipFill>
-          <a:blip r:embed="rId5">
-            <a:extLst>
-              <a:ext uri="{28A0092B-C50C-407E-A947-70E740481C1C}">
-                <a14:useLocalDpi xmlns:a14="http://schemas.microsoft.com/office/drawing/2010/main" val="0"/>
-              </a:ext>
-            </a:extLst>
-          </a:blip>
-          <a:stretch>
-            <a:fillRect/>
-          </a:stretch>
-        </p:blipFill>
-        <p:spPr>
-          <a:xfrm>
-            <a:off x="7289814" y="4648200"/>
-            <a:ext cx="1831326" cy="2209800"/>
           </a:xfrm>
           <a:prstGeom prst="rect">
             <a:avLst/>
